--- a/www/images/UI_screenshot.pptx
+++ b/www/images/UI_screenshot.pptx
@@ -207,7 +207,7 @@
           <a:p>
             <a:fld id="{B0C1581C-86FA-2A48-95A8-53C7FD17FCB6}" type="datetimeFigureOut">
               <a:rPr lang="en-US" smtClean="0"/>
-              <a:t>4/17/21</a:t>
+              <a:t>7/5/21</a:t>
             </a:fld>
             <a:endParaRPr lang="en-US"/>
           </a:p>
@@ -690,7 +690,7 @@
           <a:p>
             <a:fld id="{C5C4C42E-C078-914E-AFE7-C734FD6C03DB}" type="datetimeFigureOut">
               <a:rPr lang="en-US" smtClean="0"/>
-              <a:t>4/17/21</a:t>
+              <a:t>7/5/21</a:t>
             </a:fld>
             <a:endParaRPr lang="en-US"/>
           </a:p>
@@ -860,7 +860,7 @@
           <a:p>
             <a:fld id="{C5C4C42E-C078-914E-AFE7-C734FD6C03DB}" type="datetimeFigureOut">
               <a:rPr lang="en-US" smtClean="0"/>
-              <a:t>4/17/21</a:t>
+              <a:t>7/5/21</a:t>
             </a:fld>
             <a:endParaRPr lang="en-US"/>
           </a:p>
@@ -1040,7 +1040,7 @@
           <a:p>
             <a:fld id="{C5C4C42E-C078-914E-AFE7-C734FD6C03DB}" type="datetimeFigureOut">
               <a:rPr lang="en-US" smtClean="0"/>
-              <a:t>4/17/21</a:t>
+              <a:t>7/5/21</a:t>
             </a:fld>
             <a:endParaRPr lang="en-US"/>
           </a:p>
@@ -1210,7 +1210,7 @@
           <a:p>
             <a:fld id="{C5C4C42E-C078-914E-AFE7-C734FD6C03DB}" type="datetimeFigureOut">
               <a:rPr lang="en-US" smtClean="0"/>
-              <a:t>4/17/21</a:t>
+              <a:t>7/5/21</a:t>
             </a:fld>
             <a:endParaRPr lang="en-US"/>
           </a:p>
@@ -1454,7 +1454,7 @@
           <a:p>
             <a:fld id="{C5C4C42E-C078-914E-AFE7-C734FD6C03DB}" type="datetimeFigureOut">
               <a:rPr lang="en-US" smtClean="0"/>
-              <a:t>4/17/21</a:t>
+              <a:t>7/5/21</a:t>
             </a:fld>
             <a:endParaRPr lang="en-US"/>
           </a:p>
@@ -1686,7 +1686,7 @@
           <a:p>
             <a:fld id="{C5C4C42E-C078-914E-AFE7-C734FD6C03DB}" type="datetimeFigureOut">
               <a:rPr lang="en-US" smtClean="0"/>
-              <a:t>4/17/21</a:t>
+              <a:t>7/5/21</a:t>
             </a:fld>
             <a:endParaRPr lang="en-US"/>
           </a:p>
@@ -2053,7 +2053,7 @@
           <a:p>
             <a:fld id="{C5C4C42E-C078-914E-AFE7-C734FD6C03DB}" type="datetimeFigureOut">
               <a:rPr lang="en-US" smtClean="0"/>
-              <a:t>4/17/21</a:t>
+              <a:t>7/5/21</a:t>
             </a:fld>
             <a:endParaRPr lang="en-US"/>
           </a:p>
@@ -2171,7 +2171,7 @@
           <a:p>
             <a:fld id="{C5C4C42E-C078-914E-AFE7-C734FD6C03DB}" type="datetimeFigureOut">
               <a:rPr lang="en-US" smtClean="0"/>
-              <a:t>4/17/21</a:t>
+              <a:t>7/5/21</a:t>
             </a:fld>
             <a:endParaRPr lang="en-US"/>
           </a:p>
@@ -2266,7 +2266,7 @@
           <a:p>
             <a:fld id="{C5C4C42E-C078-914E-AFE7-C734FD6C03DB}" type="datetimeFigureOut">
               <a:rPr lang="en-US" smtClean="0"/>
-              <a:t>4/17/21</a:t>
+              <a:t>7/5/21</a:t>
             </a:fld>
             <a:endParaRPr lang="en-US"/>
           </a:p>
@@ -2543,7 +2543,7 @@
           <a:p>
             <a:fld id="{C5C4C42E-C078-914E-AFE7-C734FD6C03DB}" type="datetimeFigureOut">
               <a:rPr lang="en-US" smtClean="0"/>
-              <a:t>4/17/21</a:t>
+              <a:t>7/5/21</a:t>
             </a:fld>
             <a:endParaRPr lang="en-US"/>
           </a:p>
@@ -2800,7 +2800,7 @@
           <a:p>
             <a:fld id="{C5C4C42E-C078-914E-AFE7-C734FD6C03DB}" type="datetimeFigureOut">
               <a:rPr lang="en-US" smtClean="0"/>
-              <a:t>4/17/21</a:t>
+              <a:t>7/5/21</a:t>
             </a:fld>
             <a:endParaRPr lang="en-US"/>
           </a:p>
@@ -3013,7 +3013,7 @@
           <a:p>
             <a:fld id="{C5C4C42E-C078-914E-AFE7-C734FD6C03DB}" type="datetimeFigureOut">
               <a:rPr lang="en-US" smtClean="0"/>
-              <a:t>4/17/21</a:t>
+              <a:t>7/5/21</a:t>
             </a:fld>
             <a:endParaRPr lang="en-US"/>
           </a:p>
@@ -5497,10 +5497,10 @@
       </p:grpSpPr>
       <p:pic>
         <p:nvPicPr>
-          <p:cNvPr id="30" name="Picture 29" descr="Chart&#10;&#10;Description automatically generated">
+          <p:cNvPr id="5" name="Picture 4" descr="Graphical user interface&#10;&#10;Description automatically generated with medium confidence">
             <a:extLst>
               <a:ext uri="{FF2B5EF4-FFF2-40B4-BE49-F238E27FC236}">
-                <a16:creationId xmlns:a16="http://schemas.microsoft.com/office/drawing/2014/main" id="{3402BA74-EB9A-2347-B54D-7CE2BAD9240F}"/>
+                <a16:creationId xmlns:a16="http://schemas.microsoft.com/office/drawing/2014/main" id="{B2B975A5-3F9C-1E40-BE00-ABF2B0C68A72}"/>
               </a:ext>
             </a:extLst>
           </p:cNvPr>
@@ -5517,8 +5517,8 @@
         </p:blipFill>
         <p:spPr>
           <a:xfrm>
-            <a:off x="157656" y="1363738"/>
-            <a:ext cx="8835700" cy="4266481"/>
+            <a:off x="77930" y="1450972"/>
+            <a:ext cx="8908414" cy="4018433"/>
           </a:xfrm>
           <a:prstGeom prst="rect">
             <a:avLst/>
@@ -5678,12 +5678,61 @@
         </p:nvGrpSpPr>
         <p:grpSpPr>
           <a:xfrm>
-            <a:off x="6280280" y="825749"/>
-            <a:ext cx="371897" cy="806679"/>
-            <a:chOff x="7840695" y="38916"/>
-            <a:chExt cx="306707" cy="665276"/>
+            <a:off x="367581" y="2277615"/>
+            <a:ext cx="371897" cy="716603"/>
+            <a:chOff x="7840695" y="-245366"/>
+            <a:chExt cx="306707" cy="590989"/>
           </a:xfrm>
         </p:grpSpPr>
+        <p:cxnSp>
+          <p:nvCxnSpPr>
+            <p:cNvPr id="13" name="Straight Arrow Connector 12">
+              <a:extLst>
+                <a:ext uri="{FF2B5EF4-FFF2-40B4-BE49-F238E27FC236}">
+                  <a16:creationId xmlns:a16="http://schemas.microsoft.com/office/drawing/2014/main" id="{862238F5-66BE-D246-8F80-E82FDDD45FA7}"/>
+                </a:ext>
+              </a:extLst>
+            </p:cNvPr>
+            <p:cNvCxnSpPr>
+              <a:cxnSpLocks/>
+              <a:stCxn id="12" idx="0"/>
+            </p:cNvCxnSpPr>
+            <p:nvPr/>
+          </p:nvCxnSpPr>
+          <p:spPr>
+            <a:xfrm flipV="1">
+              <a:off x="7994049" y="-245366"/>
+              <a:ext cx="0" cy="284282"/>
+            </a:xfrm>
+            <a:prstGeom prst="straightConnector1">
+              <a:avLst/>
+            </a:prstGeom>
+            <a:ln w="38100">
+              <a:tailEnd type="triangle"/>
+            </a:ln>
+            <a:effectLst>
+              <a:outerShdw blurRad="50800" dist="38100" dir="2700000" algn="tl" rotWithShape="0">
+                <a:prstClr val="black">
+                  <a:alpha val="40000"/>
+                </a:prstClr>
+              </a:outerShdw>
+            </a:effectLst>
+          </p:spPr>
+          <p:style>
+            <a:lnRef idx="1">
+              <a:schemeClr val="accent2"/>
+            </a:lnRef>
+            <a:fillRef idx="0">
+              <a:schemeClr val="accent2"/>
+            </a:fillRef>
+            <a:effectRef idx="0">
+              <a:schemeClr val="accent2"/>
+            </a:effectRef>
+            <a:fontRef idx="minor">
+              <a:schemeClr val="tx1"/>
+            </a:fontRef>
+          </p:style>
+        </p:cxnSp>
         <p:sp>
           <p:nvSpPr>
             <p:cNvPr id="12" name="Rounded Rectangle 11">
@@ -5741,60 +5790,11 @@
               <a:pPr algn="ctr"/>
               <a:r>
                 <a:rPr lang="en-US" sz="1350" dirty="0"/>
-                <a:t>2</a:t>
+                <a:t>3</a:t>
               </a:r>
             </a:p>
           </p:txBody>
         </p:sp>
-        <p:cxnSp>
-          <p:nvCxnSpPr>
-            <p:cNvPr id="13" name="Straight Arrow Connector 12">
-              <a:extLst>
-                <a:ext uri="{FF2B5EF4-FFF2-40B4-BE49-F238E27FC236}">
-                  <a16:creationId xmlns:a16="http://schemas.microsoft.com/office/drawing/2014/main" id="{862238F5-66BE-D246-8F80-E82FDDD45FA7}"/>
-                </a:ext>
-              </a:extLst>
-            </p:cNvPr>
-            <p:cNvCxnSpPr>
-              <a:cxnSpLocks/>
-              <a:stCxn id="12" idx="2"/>
-            </p:cNvCxnSpPr>
-            <p:nvPr/>
-          </p:nvCxnSpPr>
-          <p:spPr>
-            <a:xfrm flipH="1">
-              <a:off x="7990733" y="345623"/>
-              <a:ext cx="3316" cy="358569"/>
-            </a:xfrm>
-            <a:prstGeom prst="straightConnector1">
-              <a:avLst/>
-            </a:prstGeom>
-            <a:ln w="38100">
-              <a:tailEnd type="triangle"/>
-            </a:ln>
-            <a:effectLst>
-              <a:outerShdw blurRad="50800" dist="38100" dir="2700000" algn="tl" rotWithShape="0">
-                <a:prstClr val="black">
-                  <a:alpha val="40000"/>
-                </a:prstClr>
-              </a:outerShdw>
-            </a:effectLst>
-          </p:spPr>
-          <p:style>
-            <a:lnRef idx="1">
-              <a:schemeClr val="accent2"/>
-            </a:lnRef>
-            <a:fillRef idx="0">
-              <a:schemeClr val="accent2"/>
-            </a:fillRef>
-            <a:effectRef idx="0">
-              <a:schemeClr val="accent2"/>
-            </a:effectRef>
-            <a:fontRef idx="minor">
-              <a:schemeClr val="tx1"/>
-            </a:fontRef>
-          </p:style>
-        </p:cxnSp>
       </p:grpSp>
       <p:grpSp>
         <p:nvGrpSpPr>
@@ -5810,7 +5810,7 @@
         </p:nvGrpSpPr>
         <p:grpSpPr>
           <a:xfrm rot="10800000">
-            <a:off x="736444" y="3654429"/>
+            <a:off x="580479" y="3654429"/>
             <a:ext cx="820549" cy="371897"/>
             <a:chOff x="7470687" y="38916"/>
             <a:chExt cx="676715" cy="306707"/>
@@ -5873,7 +5873,7 @@
               <a:pPr algn="ctr"/>
               <a:r>
                 <a:rPr lang="en-US" sz="1350" dirty="0"/>
-                <a:t>3</a:t>
+                <a:t>2</a:t>
               </a:r>
             </a:p>
           </p:txBody>
@@ -5942,8 +5942,8 @@
         </p:nvSpPr>
         <p:spPr>
           <a:xfrm>
-            <a:off x="1581410" y="2167460"/>
-            <a:ext cx="7337337" cy="3345836"/>
+            <a:off x="1401027" y="2167460"/>
+            <a:ext cx="7569229" cy="3345836"/>
           </a:xfrm>
           <a:prstGeom prst="rect">
             <a:avLst/>
